--- a/flame_image.pptx
+++ b/flame_image.pptx
@@ -105,6 +105,11 @@
       </a:defRPr>
     </a:lvl9pPr>
   </p:defaultTextStyle>
+  <p:extLst>
+    <p:ext uri="{EFAFB233-063F-42B5-8137-9DF3F51BA10A}">
+      <p15:sldGuideLst xmlns:p15="http://schemas.microsoft.com/office/powerpoint/2012/main"/>
+    </p:ext>
+  </p:extLst>
 </p:presentation>
 </file>
 
@@ -239,7 +244,7 @@
           <a:p>
             <a:fld id="{BE79B747-BB01-495F-990B-F2CA23EB2D7A}" type="datetimeFigureOut">
               <a:rPr lang="ko-KR" altLang="en-US" smtClean="0"/>
-              <a:t>2023-12-05</a:t>
+              <a:t>2023-12-11</a:t>
             </a:fld>
             <a:endParaRPr lang="ko-KR" altLang="en-US"/>
           </a:p>
@@ -409,7 +414,7 @@
           <a:p>
             <a:fld id="{BE79B747-BB01-495F-990B-F2CA23EB2D7A}" type="datetimeFigureOut">
               <a:rPr lang="ko-KR" altLang="en-US" smtClean="0"/>
-              <a:t>2023-12-05</a:t>
+              <a:t>2023-12-11</a:t>
             </a:fld>
             <a:endParaRPr lang="ko-KR" altLang="en-US"/>
           </a:p>
@@ -589,7 +594,7 @@
           <a:p>
             <a:fld id="{BE79B747-BB01-495F-990B-F2CA23EB2D7A}" type="datetimeFigureOut">
               <a:rPr lang="ko-KR" altLang="en-US" smtClean="0"/>
-              <a:t>2023-12-05</a:t>
+              <a:t>2023-12-11</a:t>
             </a:fld>
             <a:endParaRPr lang="ko-KR" altLang="en-US"/>
           </a:p>
@@ -759,7 +764,7 @@
           <a:p>
             <a:fld id="{BE79B747-BB01-495F-990B-F2CA23EB2D7A}" type="datetimeFigureOut">
               <a:rPr lang="ko-KR" altLang="en-US" smtClean="0"/>
-              <a:t>2023-12-05</a:t>
+              <a:t>2023-12-11</a:t>
             </a:fld>
             <a:endParaRPr lang="ko-KR" altLang="en-US"/>
           </a:p>
@@ -1003,7 +1008,7 @@
           <a:p>
             <a:fld id="{BE79B747-BB01-495F-990B-F2CA23EB2D7A}" type="datetimeFigureOut">
               <a:rPr lang="ko-KR" altLang="en-US" smtClean="0"/>
-              <a:t>2023-12-05</a:t>
+              <a:t>2023-12-11</a:t>
             </a:fld>
             <a:endParaRPr lang="ko-KR" altLang="en-US"/>
           </a:p>
@@ -1235,7 +1240,7 @@
           <a:p>
             <a:fld id="{BE79B747-BB01-495F-990B-F2CA23EB2D7A}" type="datetimeFigureOut">
               <a:rPr lang="ko-KR" altLang="en-US" smtClean="0"/>
-              <a:t>2023-12-05</a:t>
+              <a:t>2023-12-11</a:t>
             </a:fld>
             <a:endParaRPr lang="ko-KR" altLang="en-US"/>
           </a:p>
@@ -1602,7 +1607,7 @@
           <a:p>
             <a:fld id="{BE79B747-BB01-495F-990B-F2CA23EB2D7A}" type="datetimeFigureOut">
               <a:rPr lang="ko-KR" altLang="en-US" smtClean="0"/>
-              <a:t>2023-12-05</a:t>
+              <a:t>2023-12-11</a:t>
             </a:fld>
             <a:endParaRPr lang="ko-KR" altLang="en-US"/>
           </a:p>
@@ -1720,7 +1725,7 @@
           <a:p>
             <a:fld id="{BE79B747-BB01-495F-990B-F2CA23EB2D7A}" type="datetimeFigureOut">
               <a:rPr lang="ko-KR" altLang="en-US" smtClean="0"/>
-              <a:t>2023-12-05</a:t>
+              <a:t>2023-12-11</a:t>
             </a:fld>
             <a:endParaRPr lang="ko-KR" altLang="en-US"/>
           </a:p>
@@ -1815,7 +1820,7 @@
           <a:p>
             <a:fld id="{BE79B747-BB01-495F-990B-F2CA23EB2D7A}" type="datetimeFigureOut">
               <a:rPr lang="ko-KR" altLang="en-US" smtClean="0"/>
-              <a:t>2023-12-05</a:t>
+              <a:t>2023-12-11</a:t>
             </a:fld>
             <a:endParaRPr lang="ko-KR" altLang="en-US"/>
           </a:p>
@@ -2092,7 +2097,7 @@
           <a:p>
             <a:fld id="{BE79B747-BB01-495F-990B-F2CA23EB2D7A}" type="datetimeFigureOut">
               <a:rPr lang="ko-KR" altLang="en-US" smtClean="0"/>
-              <a:t>2023-12-05</a:t>
+              <a:t>2023-12-11</a:t>
             </a:fld>
             <a:endParaRPr lang="ko-KR" altLang="en-US"/>
           </a:p>
@@ -2349,7 +2354,7 @@
           <a:p>
             <a:fld id="{BE79B747-BB01-495F-990B-F2CA23EB2D7A}" type="datetimeFigureOut">
               <a:rPr lang="ko-KR" altLang="en-US" smtClean="0"/>
-              <a:t>2023-12-05</a:t>
+              <a:t>2023-12-11</a:t>
             </a:fld>
             <a:endParaRPr lang="ko-KR" altLang="en-US"/>
           </a:p>
@@ -2562,7 +2567,7 @@
           <a:p>
             <a:fld id="{BE79B747-BB01-495F-990B-F2CA23EB2D7A}" type="datetimeFigureOut">
               <a:rPr lang="ko-KR" altLang="en-US" smtClean="0"/>
-              <a:t>2023-12-05</a:t>
+              <a:t>2023-12-11</a:t>
             </a:fld>
             <a:endParaRPr lang="ko-KR" altLang="en-US"/>
           </a:p>
@@ -3043,8 +3048,8 @@
         </p:blipFill>
         <p:spPr bwMode="auto">
           <a:xfrm>
-            <a:off x="3038105" y="2232561"/>
-            <a:ext cx="586839" cy="586839"/>
+            <a:off x="2829296" y="2098128"/>
+            <a:ext cx="485898" cy="642933"/>
           </a:xfrm>
           <a:prstGeom prst="rect">
             <a:avLst/>
@@ -3267,8 +3272,384 @@
         </p:blipFill>
         <p:spPr bwMode="auto">
           <a:xfrm>
-            <a:off x="589978" y="3368946"/>
+            <a:off x="454479" y="2499131"/>
             <a:ext cx="270995" cy="450530"/>
+          </a:xfrm>
+          <a:prstGeom prst="rect">
+            <a:avLst/>
+          </a:prstGeom>
+          <a:noFill/>
+          <a:extLst>
+            <a:ext uri="{909E8E84-426E-40DD-AFC4-6F175D3DCCD1}">
+              <a14:hiddenFill xmlns:a14="http://schemas.microsoft.com/office/drawing/2010/main">
+                <a:solidFill>
+                  <a:srgbClr val="FFFFFF"/>
+                </a:solidFill>
+              </a14:hiddenFill>
+            </a:ext>
+          </a:extLst>
+        </p:spPr>
+      </p:pic>
+      <p:pic>
+        <p:nvPicPr>
+          <p:cNvPr id="2" name="Picture 8" descr="Flame PNG, Flame Transparent Background - FreeIconsPNG">
+            <a:extLst>
+              <a:ext uri="{FF2B5EF4-FFF2-40B4-BE49-F238E27FC236}">
+                <a16:creationId xmlns:a16="http://schemas.microsoft.com/office/drawing/2014/main" id="{9911D321-7016-1C48-2E38-F966723A86C7}"/>
+              </a:ext>
+            </a:extLst>
+          </p:cNvPr>
+          <p:cNvPicPr>
+            <a:picLocks noChangeAspect="1" noChangeArrowheads="1"/>
+          </p:cNvPicPr>
+          <p:nvPr/>
+        </p:nvPicPr>
+        <p:blipFill>
+          <a:blip r:embed="rId4">
+            <a:extLst>
+              <a:ext uri="{28A0092B-C50C-407E-A947-70E740481C1C}">
+                <a14:useLocalDpi xmlns:a14="http://schemas.microsoft.com/office/drawing/2010/main" val="0"/>
+              </a:ext>
+            </a:extLst>
+          </a:blip>
+          <a:srcRect/>
+          <a:stretch>
+            <a:fillRect/>
+          </a:stretch>
+        </p:blipFill>
+        <p:spPr bwMode="auto">
+          <a:xfrm>
+            <a:off x="934283" y="2499131"/>
+            <a:ext cx="270995" cy="450530"/>
+          </a:xfrm>
+          <a:prstGeom prst="rect">
+            <a:avLst/>
+          </a:prstGeom>
+          <a:noFill/>
+          <a:extLst>
+            <a:ext uri="{909E8E84-426E-40DD-AFC4-6F175D3DCCD1}">
+              <a14:hiddenFill xmlns:a14="http://schemas.microsoft.com/office/drawing/2010/main">
+                <a:solidFill>
+                  <a:srgbClr val="FFFFFF"/>
+                </a:solidFill>
+              </a14:hiddenFill>
+            </a:ext>
+          </a:extLst>
+        </p:spPr>
+      </p:pic>
+      <p:pic>
+        <p:nvPicPr>
+          <p:cNvPr id="3" name="Picture 8" descr="Flame PNG, Flame Transparent Background - FreeIconsPNG">
+            <a:extLst>
+              <a:ext uri="{FF2B5EF4-FFF2-40B4-BE49-F238E27FC236}">
+                <a16:creationId xmlns:a16="http://schemas.microsoft.com/office/drawing/2014/main" id="{13748C14-D141-6952-E0F3-A9B844A44945}"/>
+              </a:ext>
+            </a:extLst>
+          </p:cNvPr>
+          <p:cNvPicPr>
+            <a:picLocks noChangeAspect="1" noChangeArrowheads="1"/>
+          </p:cNvPicPr>
+          <p:nvPr/>
+        </p:nvPicPr>
+        <p:blipFill>
+          <a:blip r:embed="rId4">
+            <a:extLst>
+              <a:ext uri="{28A0092B-C50C-407E-A947-70E740481C1C}">
+                <a14:useLocalDpi xmlns:a14="http://schemas.microsoft.com/office/drawing/2010/main" val="0"/>
+              </a:ext>
+            </a:extLst>
+          </a:blip>
+          <a:srcRect/>
+          <a:stretch>
+            <a:fillRect/>
+          </a:stretch>
+        </p:blipFill>
+        <p:spPr bwMode="auto">
+          <a:xfrm>
+            <a:off x="1111983" y="2499131"/>
+            <a:ext cx="270995" cy="450530"/>
+          </a:xfrm>
+          <a:prstGeom prst="rect">
+            <a:avLst/>
+          </a:prstGeom>
+          <a:noFill/>
+          <a:extLst>
+            <a:ext uri="{909E8E84-426E-40DD-AFC4-6F175D3DCCD1}">
+              <a14:hiddenFill xmlns:a14="http://schemas.microsoft.com/office/drawing/2010/main">
+                <a:solidFill>
+                  <a:srgbClr val="FFFFFF"/>
+                </a:solidFill>
+              </a14:hiddenFill>
+            </a:ext>
+          </a:extLst>
+        </p:spPr>
+      </p:pic>
+      <p:pic>
+        <p:nvPicPr>
+          <p:cNvPr id="4" name="Picture 2" descr="Realistic burning fire flames, Burning hot sparks realistic fire flame,  Fire flames effect 18735106 PNG">
+            <a:extLst>
+              <a:ext uri="{FF2B5EF4-FFF2-40B4-BE49-F238E27FC236}">
+                <a16:creationId xmlns:a16="http://schemas.microsoft.com/office/drawing/2014/main" id="{076FB7ED-1349-9450-0F61-F576E4E0415B}"/>
+              </a:ext>
+            </a:extLst>
+          </p:cNvPr>
+          <p:cNvPicPr>
+            <a:picLocks noChangeAspect="1" noChangeArrowheads="1"/>
+          </p:cNvPicPr>
+          <p:nvPr/>
+        </p:nvPicPr>
+        <p:blipFill>
+          <a:blip r:embed="rId2">
+            <a:extLst>
+              <a:ext uri="{28A0092B-C50C-407E-A947-70E740481C1C}">
+                <a14:useLocalDpi xmlns:a14="http://schemas.microsoft.com/office/drawing/2010/main" val="0"/>
+              </a:ext>
+            </a:extLst>
+          </a:blip>
+          <a:srcRect/>
+          <a:stretch>
+            <a:fillRect/>
+          </a:stretch>
+        </p:blipFill>
+        <p:spPr bwMode="auto">
+          <a:xfrm rot="21113545">
+            <a:off x="3315193" y="2098128"/>
+            <a:ext cx="485898" cy="642933"/>
+          </a:xfrm>
+          <a:prstGeom prst="rect">
+            <a:avLst/>
+          </a:prstGeom>
+          <a:noFill/>
+          <a:extLst>
+            <a:ext uri="{909E8E84-426E-40DD-AFC4-6F175D3DCCD1}">
+              <a14:hiddenFill xmlns:a14="http://schemas.microsoft.com/office/drawing/2010/main">
+                <a:solidFill>
+                  <a:srgbClr val="FFFFFF"/>
+                </a:solidFill>
+              </a14:hiddenFill>
+            </a:ext>
+          </a:extLst>
+        </p:spPr>
+      </p:pic>
+      <p:pic>
+        <p:nvPicPr>
+          <p:cNvPr id="7" name="Picture 2" descr="Realistic burning fire flames, Burning hot sparks realistic fire flame,  Fire flames effect 18735106 PNG">
+            <a:extLst>
+              <a:ext uri="{FF2B5EF4-FFF2-40B4-BE49-F238E27FC236}">
+                <a16:creationId xmlns:a16="http://schemas.microsoft.com/office/drawing/2014/main" id="{36646004-56B0-0C84-6F25-B10FFCA7016C}"/>
+              </a:ext>
+            </a:extLst>
+          </p:cNvPr>
+          <p:cNvPicPr>
+            <a:picLocks noChangeAspect="1" noChangeArrowheads="1"/>
+          </p:cNvPicPr>
+          <p:nvPr/>
+        </p:nvPicPr>
+        <p:blipFill>
+          <a:blip r:embed="rId2">
+            <a:extLst>
+              <a:ext uri="{28A0092B-C50C-407E-A947-70E740481C1C}">
+                <a14:useLocalDpi xmlns:a14="http://schemas.microsoft.com/office/drawing/2010/main" val="0"/>
+              </a:ext>
+            </a:extLst>
+          </a:blip>
+          <a:srcRect/>
+          <a:stretch>
+            <a:fillRect/>
+          </a:stretch>
+        </p:blipFill>
+        <p:spPr bwMode="auto">
+          <a:xfrm rot="900000">
+            <a:off x="3833262" y="2227687"/>
+            <a:ext cx="364290" cy="482023"/>
+          </a:xfrm>
+          <a:prstGeom prst="rect">
+            <a:avLst/>
+          </a:prstGeom>
+          <a:noFill/>
+          <a:extLst>
+            <a:ext uri="{909E8E84-426E-40DD-AFC4-6F175D3DCCD1}">
+              <a14:hiddenFill xmlns:a14="http://schemas.microsoft.com/office/drawing/2010/main">
+                <a:solidFill>
+                  <a:srgbClr val="FFFFFF"/>
+                </a:solidFill>
+              </a14:hiddenFill>
+            </a:ext>
+          </a:extLst>
+        </p:spPr>
+      </p:pic>
+      <p:pic>
+        <p:nvPicPr>
+          <p:cNvPr id="8" name="Picture 2" descr="Realistic burning fire flames, Burning hot sparks realistic fire flame,  Fire flames effect 18735106 PNG">
+            <a:extLst>
+              <a:ext uri="{FF2B5EF4-FFF2-40B4-BE49-F238E27FC236}">
+                <a16:creationId xmlns:a16="http://schemas.microsoft.com/office/drawing/2014/main" id="{72B5F98A-443C-1ABF-99C0-3409DA3593F1}"/>
+              </a:ext>
+            </a:extLst>
+          </p:cNvPr>
+          <p:cNvPicPr>
+            <a:picLocks noChangeAspect="1" noChangeArrowheads="1"/>
+          </p:cNvPicPr>
+          <p:nvPr/>
+        </p:nvPicPr>
+        <p:blipFill>
+          <a:blip r:embed="rId2">
+            <a:extLst>
+              <a:ext uri="{28A0092B-C50C-407E-A947-70E740481C1C}">
+                <a14:useLocalDpi xmlns:a14="http://schemas.microsoft.com/office/drawing/2010/main" val="0"/>
+              </a:ext>
+            </a:extLst>
+          </a:blip>
+          <a:srcRect/>
+          <a:stretch>
+            <a:fillRect/>
+          </a:stretch>
+        </p:blipFill>
+        <p:spPr bwMode="auto">
+          <a:xfrm rot="900000">
+            <a:off x="4221915" y="2131212"/>
+            <a:ext cx="431753" cy="571289"/>
+          </a:xfrm>
+          <a:prstGeom prst="rect">
+            <a:avLst/>
+          </a:prstGeom>
+          <a:noFill/>
+          <a:extLst>
+            <a:ext uri="{909E8E84-426E-40DD-AFC4-6F175D3DCCD1}">
+              <a14:hiddenFill xmlns:a14="http://schemas.microsoft.com/office/drawing/2010/main">
+                <a:solidFill>
+                  <a:srgbClr val="FFFFFF"/>
+                </a:solidFill>
+              </a14:hiddenFill>
+            </a:ext>
+          </a:extLst>
+        </p:spPr>
+      </p:pic>
+      <p:pic>
+        <p:nvPicPr>
+          <p:cNvPr id="9" name="Picture 2" descr="Realistic burning fire flames, Burning hot sparks realistic fire flame,  Fire flames effect 18735106 PNG">
+            <a:extLst>
+              <a:ext uri="{FF2B5EF4-FFF2-40B4-BE49-F238E27FC236}">
+                <a16:creationId xmlns:a16="http://schemas.microsoft.com/office/drawing/2014/main" id="{AEB54552-84FA-EEEB-5587-B6E63AA28944}"/>
+              </a:ext>
+            </a:extLst>
+          </p:cNvPr>
+          <p:cNvPicPr>
+            <a:picLocks noChangeAspect="1" noChangeArrowheads="1"/>
+          </p:cNvPicPr>
+          <p:nvPr/>
+        </p:nvPicPr>
+        <p:blipFill>
+          <a:blip r:embed="rId2">
+            <a:extLst>
+              <a:ext uri="{28A0092B-C50C-407E-A947-70E740481C1C}">
+                <a14:useLocalDpi xmlns:a14="http://schemas.microsoft.com/office/drawing/2010/main" val="0"/>
+              </a:ext>
+            </a:extLst>
+          </a:blip>
+          <a:srcRect/>
+          <a:stretch>
+            <a:fillRect/>
+          </a:stretch>
+        </p:blipFill>
+        <p:spPr bwMode="auto">
+          <a:xfrm rot="21277526">
+            <a:off x="4633930" y="2206876"/>
+            <a:ext cx="516169" cy="516169"/>
+          </a:xfrm>
+          <a:prstGeom prst="rect">
+            <a:avLst/>
+          </a:prstGeom>
+          <a:noFill/>
+          <a:extLst>
+            <a:ext uri="{909E8E84-426E-40DD-AFC4-6F175D3DCCD1}">
+              <a14:hiddenFill xmlns:a14="http://schemas.microsoft.com/office/drawing/2010/main">
+                <a:solidFill>
+                  <a:srgbClr val="FFFFFF"/>
+                </a:solidFill>
+              </a14:hiddenFill>
+            </a:ext>
+          </a:extLst>
+        </p:spPr>
+      </p:pic>
+      <p:pic>
+        <p:nvPicPr>
+          <p:cNvPr id="12" name="Picture 2" descr="Realistic burning fire flames, Burning hot sparks realistic fire flame,  Fire flames effect 18735106 PNG">
+            <a:extLst>
+              <a:ext uri="{FF2B5EF4-FFF2-40B4-BE49-F238E27FC236}">
+                <a16:creationId xmlns:a16="http://schemas.microsoft.com/office/drawing/2014/main" id="{5A7F66A3-F9EB-1048-2D9F-E4D796C12D9B}"/>
+              </a:ext>
+            </a:extLst>
+          </p:cNvPr>
+          <p:cNvPicPr>
+            <a:picLocks noChangeAspect="1" noChangeArrowheads="1"/>
+          </p:cNvPicPr>
+          <p:nvPr/>
+        </p:nvPicPr>
+        <p:blipFill>
+          <a:blip r:embed="rId2">
+            <a:extLst>
+              <a:ext uri="{28A0092B-C50C-407E-A947-70E740481C1C}">
+                <a14:useLocalDpi xmlns:a14="http://schemas.microsoft.com/office/drawing/2010/main" val="0"/>
+              </a:ext>
+            </a:extLst>
+          </a:blip>
+          <a:srcRect/>
+          <a:stretch>
+            <a:fillRect/>
+          </a:stretch>
+        </p:blipFill>
+        <p:spPr bwMode="auto">
+          <a:xfrm>
+            <a:off x="5194099" y="2098129"/>
+            <a:ext cx="624916" cy="624916"/>
+          </a:xfrm>
+          <a:prstGeom prst="rect">
+            <a:avLst/>
+          </a:prstGeom>
+          <a:noFill/>
+          <a:extLst>
+            <a:ext uri="{909E8E84-426E-40DD-AFC4-6F175D3DCCD1}">
+              <a14:hiddenFill xmlns:a14="http://schemas.microsoft.com/office/drawing/2010/main">
+                <a:solidFill>
+                  <a:srgbClr val="FFFFFF"/>
+                </a:solidFill>
+              </a14:hiddenFill>
+            </a:ext>
+          </a:extLst>
+        </p:spPr>
+      </p:pic>
+      <p:pic>
+        <p:nvPicPr>
+          <p:cNvPr id="13" name="Picture 2" descr="Realistic burning fire flames, Burning hot sparks realistic fire flame,  Fire flames effect 18735106 PNG">
+            <a:extLst>
+              <a:ext uri="{FF2B5EF4-FFF2-40B4-BE49-F238E27FC236}">
+                <a16:creationId xmlns:a16="http://schemas.microsoft.com/office/drawing/2014/main" id="{C7805C28-D668-604C-6A25-A4EBE630464F}"/>
+              </a:ext>
+            </a:extLst>
+          </p:cNvPr>
+          <p:cNvPicPr>
+            <a:picLocks noChangeAspect="1" noChangeArrowheads="1"/>
+          </p:cNvPicPr>
+          <p:nvPr/>
+        </p:nvPicPr>
+        <p:blipFill>
+          <a:blip r:embed="rId2">
+            <a:extLst>
+              <a:ext uri="{28A0092B-C50C-407E-A947-70E740481C1C}">
+                <a14:useLocalDpi xmlns:a14="http://schemas.microsoft.com/office/drawing/2010/main" val="0"/>
+              </a:ext>
+            </a:extLst>
+          </a:blip>
+          <a:srcRect/>
+          <a:stretch>
+            <a:fillRect/>
+          </a:stretch>
+        </p:blipFill>
+        <p:spPr bwMode="auto">
+          <a:xfrm rot="20914813">
+            <a:off x="5819015" y="2243001"/>
+            <a:ext cx="412982" cy="412982"/>
           </a:xfrm>
           <a:prstGeom prst="rect">
             <a:avLst/>
